--- a/devpost/local-investor.pptx
+++ b/devpost/local-investor.pptx
@@ -114,7 +114,7 @@
   </p:defaultTextStyle>
   <p:extLst>
     <p:ext uri="{EFAFB233-063F-42B5-8137-9DF3F51BA10A}">
-      <p15:sldGuideLst xmlns:p15="http://schemas.microsoft.com/office/powerpoint/2012/main" xmlns=""/>
+      <p15:sldGuideLst xmlns="" xmlns:p15="http://schemas.microsoft.com/office/powerpoint/2012/main"/>
     </p:ext>
   </p:extLst>
 </p:presentation>
@@ -304,7 +304,7 @@
     </p:spTree>
     <p:extLst>
       <p:ext uri="{BB962C8B-B14F-4D97-AF65-F5344CB8AC3E}">
-        <p14:creationId xmlns:p14="http://schemas.microsoft.com/office/powerpoint/2010/main" xmlns="" val="2906953194"/>
+        <p14:creationId xmlns="" xmlns:p14="http://schemas.microsoft.com/office/powerpoint/2010/main" val="2906953194"/>
       </p:ext>
     </p:extLst>
   </p:cSld>
@@ -476,7 +476,7 @@
     </p:spTree>
     <p:extLst>
       <p:ext uri="{BB962C8B-B14F-4D97-AF65-F5344CB8AC3E}">
-        <p14:creationId xmlns:p14="http://schemas.microsoft.com/office/powerpoint/2010/main" xmlns="" val="1869426013"/>
+        <p14:creationId xmlns="" xmlns:p14="http://schemas.microsoft.com/office/powerpoint/2010/main" val="1869426013"/>
       </p:ext>
     </p:extLst>
   </p:cSld>
@@ -658,7 +658,7 @@
     </p:spTree>
     <p:extLst>
       <p:ext uri="{BB962C8B-B14F-4D97-AF65-F5344CB8AC3E}">
-        <p14:creationId xmlns:p14="http://schemas.microsoft.com/office/powerpoint/2010/main" xmlns="" val="2475630697"/>
+        <p14:creationId xmlns="" xmlns:p14="http://schemas.microsoft.com/office/powerpoint/2010/main" val="2475630697"/>
       </p:ext>
     </p:extLst>
   </p:cSld>
@@ -830,7 +830,7 @@
     </p:spTree>
     <p:extLst>
       <p:ext uri="{BB962C8B-B14F-4D97-AF65-F5344CB8AC3E}">
-        <p14:creationId xmlns:p14="http://schemas.microsoft.com/office/powerpoint/2010/main" xmlns="" val="3377781364"/>
+        <p14:creationId xmlns="" xmlns:p14="http://schemas.microsoft.com/office/powerpoint/2010/main" val="3377781364"/>
       </p:ext>
     </p:extLst>
   </p:cSld>
@@ -1078,7 +1078,7 @@
     </p:spTree>
     <p:extLst>
       <p:ext uri="{BB962C8B-B14F-4D97-AF65-F5344CB8AC3E}">
-        <p14:creationId xmlns:p14="http://schemas.microsoft.com/office/powerpoint/2010/main" xmlns="" val="1792265736"/>
+        <p14:creationId xmlns="" xmlns:p14="http://schemas.microsoft.com/office/powerpoint/2010/main" val="1792265736"/>
       </p:ext>
     </p:extLst>
   </p:cSld>
@@ -1312,7 +1312,7 @@
     </p:spTree>
     <p:extLst>
       <p:ext uri="{BB962C8B-B14F-4D97-AF65-F5344CB8AC3E}">
-        <p14:creationId xmlns:p14="http://schemas.microsoft.com/office/powerpoint/2010/main" xmlns="" val="1473276504"/>
+        <p14:creationId xmlns="" xmlns:p14="http://schemas.microsoft.com/office/powerpoint/2010/main" val="1473276504"/>
       </p:ext>
     </p:extLst>
   </p:cSld>
@@ -1681,7 +1681,7 @@
     </p:spTree>
     <p:extLst>
       <p:ext uri="{BB962C8B-B14F-4D97-AF65-F5344CB8AC3E}">
-        <p14:creationId xmlns:p14="http://schemas.microsoft.com/office/powerpoint/2010/main" xmlns="" val="3536687043"/>
+        <p14:creationId xmlns="" xmlns:p14="http://schemas.microsoft.com/office/powerpoint/2010/main" val="3536687043"/>
       </p:ext>
     </p:extLst>
   </p:cSld>
@@ -1801,7 +1801,7 @@
     </p:spTree>
     <p:extLst>
       <p:ext uri="{BB962C8B-B14F-4D97-AF65-F5344CB8AC3E}">
-        <p14:creationId xmlns:p14="http://schemas.microsoft.com/office/powerpoint/2010/main" xmlns="" val="1533747015"/>
+        <p14:creationId xmlns="" xmlns:p14="http://schemas.microsoft.com/office/powerpoint/2010/main" val="1533747015"/>
       </p:ext>
     </p:extLst>
   </p:cSld>
@@ -1898,7 +1898,7 @@
     </p:spTree>
     <p:extLst>
       <p:ext uri="{BB962C8B-B14F-4D97-AF65-F5344CB8AC3E}">
-        <p14:creationId xmlns:p14="http://schemas.microsoft.com/office/powerpoint/2010/main" xmlns="" val="3138106398"/>
+        <p14:creationId xmlns="" xmlns:p14="http://schemas.microsoft.com/office/powerpoint/2010/main" val="3138106398"/>
       </p:ext>
     </p:extLst>
   </p:cSld>
@@ -2177,7 +2177,7 @@
     </p:spTree>
     <p:extLst>
       <p:ext uri="{BB962C8B-B14F-4D97-AF65-F5344CB8AC3E}">
-        <p14:creationId xmlns:p14="http://schemas.microsoft.com/office/powerpoint/2010/main" xmlns="" val="3324941083"/>
+        <p14:creationId xmlns="" xmlns:p14="http://schemas.microsoft.com/office/powerpoint/2010/main" val="3324941083"/>
       </p:ext>
     </p:extLst>
   </p:cSld>
@@ -2432,7 +2432,7 @@
     </p:spTree>
     <p:extLst>
       <p:ext uri="{BB962C8B-B14F-4D97-AF65-F5344CB8AC3E}">
-        <p14:creationId xmlns:p14="http://schemas.microsoft.com/office/powerpoint/2010/main" xmlns="" val="11771411"/>
+        <p14:creationId xmlns="" xmlns:p14="http://schemas.microsoft.com/office/powerpoint/2010/main" val="11771411"/>
       </p:ext>
     </p:extLst>
   </p:cSld>
@@ -2683,7 +2683,7 @@
     </p:spTree>
     <p:extLst>
       <p:ext uri="{BB962C8B-B14F-4D97-AF65-F5344CB8AC3E}">
-        <p14:creationId xmlns:p14="http://schemas.microsoft.com/office/powerpoint/2010/main" xmlns="" val="316463824"/>
+        <p14:creationId xmlns="" xmlns:p14="http://schemas.microsoft.com/office/powerpoint/2010/main" val="316463824"/>
       </p:ext>
     </p:extLst>
   </p:cSld>
@@ -3165,7 +3165,7 @@
     </p:spTree>
     <p:extLst>
       <p:ext uri="{BB962C8B-B14F-4D97-AF65-F5344CB8AC3E}">
-        <p14:creationId xmlns:p14="http://schemas.microsoft.com/office/powerpoint/2010/main" xmlns="" val="194406543"/>
+        <p14:creationId xmlns="" xmlns:p14="http://schemas.microsoft.com/office/powerpoint/2010/main" val="194406543"/>
       </p:ext>
     </p:extLst>
   </p:cSld>
@@ -3279,7 +3279,7 @@
     </p:spTree>
     <p:extLst>
       <p:ext uri="{BB962C8B-B14F-4D97-AF65-F5344CB8AC3E}">
-        <p14:creationId xmlns:p14="http://schemas.microsoft.com/office/powerpoint/2010/main" xmlns="" val="2297487470"/>
+        <p14:creationId xmlns="" xmlns:p14="http://schemas.microsoft.com/office/powerpoint/2010/main" val="2297487470"/>
       </p:ext>
     </p:extLst>
   </p:cSld>
@@ -3374,7 +3374,7 @@
           <a:blip r:embed="rId2" cstate="print">
             <a:extLst>
               <a:ext uri="{28A0092B-C50C-407E-A947-70E740481C1C}">
-                <a14:useLocalDpi xmlns:a14="http://schemas.microsoft.com/office/drawing/2010/main" xmlns="" val="0"/>
+                <a14:useLocalDpi xmlns="" xmlns:a14="http://schemas.microsoft.com/office/drawing/2010/main" val="0"/>
               </a:ext>
             </a:extLst>
           </a:blip>
@@ -3434,7 +3434,15 @@
                 <a:ea typeface="Open Sans" panose="020B0606030504020204" pitchFamily="34" charset="0"/>
                 <a:cs typeface="Open Sans" panose="020B0606030504020204" pitchFamily="34" charset="0"/>
               </a:rPr>
-              <a:t>customers ability to invest their savings in local </a:t>
+              <a:t>customers ability to invest their savings in </a:t>
+            </a:r>
+            <a:r>
+              <a:rPr lang="en-US" sz="3600" dirty="0" smtClean="0">
+                <a:latin typeface="Open Sans" panose="020B0606030504020204" pitchFamily="34" charset="0"/>
+                <a:ea typeface="Open Sans" panose="020B0606030504020204" pitchFamily="34" charset="0"/>
+                <a:cs typeface="Open Sans" panose="020B0606030504020204" pitchFamily="34" charset="0"/>
+              </a:rPr>
+              <a:t>credits for local </a:t>
             </a:r>
             <a:r>
               <a:rPr lang="en-US" sz="3600" dirty="0" smtClean="0">
@@ -3455,7 +3463,7 @@
     </p:spTree>
     <p:extLst>
       <p:ext uri="{BB962C8B-B14F-4D97-AF65-F5344CB8AC3E}">
-        <p14:creationId xmlns:p14="http://schemas.microsoft.com/office/powerpoint/2010/main" xmlns="" val="2804826204"/>
+        <p14:creationId xmlns="" xmlns:p14="http://schemas.microsoft.com/office/powerpoint/2010/main" val="2804826204"/>
       </p:ext>
     </p:extLst>
   </p:cSld>
@@ -3600,7 +3608,7 @@
           <a:blip r:embed="rId2" cstate="print">
             <a:extLst>
               <a:ext uri="{28A0092B-C50C-407E-A947-70E740481C1C}">
-                <a14:useLocalDpi xmlns:a14="http://schemas.microsoft.com/office/drawing/2010/main" xmlns="" val="0"/>
+                <a14:useLocalDpi xmlns="" xmlns:a14="http://schemas.microsoft.com/office/drawing/2010/main" val="0"/>
               </a:ext>
             </a:extLst>
           </a:blip>
@@ -3621,7 +3629,7 @@
     </p:spTree>
     <p:extLst>
       <p:ext uri="{BB962C8B-B14F-4D97-AF65-F5344CB8AC3E}">
-        <p14:creationId xmlns:p14="http://schemas.microsoft.com/office/powerpoint/2010/main" xmlns="" val="744992831"/>
+        <p14:creationId xmlns="" xmlns:p14="http://schemas.microsoft.com/office/powerpoint/2010/main" val="744992831"/>
       </p:ext>
     </p:extLst>
   </p:cSld>
@@ -3713,7 +3721,7 @@
           <a:blip r:embed="rId2" cstate="print">
             <a:extLst>
               <a:ext uri="{28A0092B-C50C-407E-A947-70E740481C1C}">
-                <a14:useLocalDpi xmlns:a14="http://schemas.microsoft.com/office/drawing/2010/main" xmlns="" val="0"/>
+                <a14:useLocalDpi xmlns="" xmlns:a14="http://schemas.microsoft.com/office/drawing/2010/main" val="0"/>
               </a:ext>
             </a:extLst>
           </a:blip>
@@ -3740,7 +3748,7 @@
           <a:blip r:embed="rId3" cstate="print">
             <a:extLst>
               <a:ext uri="{28A0092B-C50C-407E-A947-70E740481C1C}">
-                <a14:useLocalDpi xmlns:a14="http://schemas.microsoft.com/office/drawing/2010/main" xmlns="" val="0"/>
+                <a14:useLocalDpi xmlns="" xmlns:a14="http://schemas.microsoft.com/office/drawing/2010/main" val="0"/>
               </a:ext>
             </a:extLst>
           </a:blip>
@@ -3770,7 +3778,7 @@
           <a:blip r:embed="rId3" cstate="print">
             <a:extLst>
               <a:ext uri="{28A0092B-C50C-407E-A947-70E740481C1C}">
-                <a14:useLocalDpi xmlns:a14="http://schemas.microsoft.com/office/drawing/2010/main" xmlns="" val="0"/>
+                <a14:useLocalDpi xmlns="" xmlns:a14="http://schemas.microsoft.com/office/drawing/2010/main" val="0"/>
               </a:ext>
             </a:extLst>
           </a:blip>
@@ -3800,7 +3808,7 @@
           <a:blip r:embed="rId3" cstate="print">
             <a:extLst>
               <a:ext uri="{28A0092B-C50C-407E-A947-70E740481C1C}">
-                <a14:useLocalDpi xmlns:a14="http://schemas.microsoft.com/office/drawing/2010/main" xmlns="" val="0"/>
+                <a14:useLocalDpi xmlns="" xmlns:a14="http://schemas.microsoft.com/office/drawing/2010/main" val="0"/>
               </a:ext>
             </a:extLst>
           </a:blip>
@@ -3830,7 +3838,7 @@
           <a:blip r:embed="rId3" cstate="print">
             <a:extLst>
               <a:ext uri="{28A0092B-C50C-407E-A947-70E740481C1C}">
-                <a14:useLocalDpi xmlns:a14="http://schemas.microsoft.com/office/drawing/2010/main" xmlns="" val="0"/>
+                <a14:useLocalDpi xmlns="" xmlns:a14="http://schemas.microsoft.com/office/drawing/2010/main" val="0"/>
               </a:ext>
             </a:extLst>
           </a:blip>
@@ -3860,7 +3868,7 @@
           <a:blip r:embed="rId4" cstate="print">
             <a:extLst>
               <a:ext uri="{28A0092B-C50C-407E-A947-70E740481C1C}">
-                <a14:useLocalDpi xmlns:a14="http://schemas.microsoft.com/office/drawing/2010/main" xmlns="" val="0"/>
+                <a14:useLocalDpi xmlns="" xmlns:a14="http://schemas.microsoft.com/office/drawing/2010/main" val="0"/>
               </a:ext>
             </a:extLst>
           </a:blip>
@@ -3890,7 +3898,7 @@
           <a:blip r:embed="rId5" cstate="print">
             <a:extLst>
               <a:ext uri="{28A0092B-C50C-407E-A947-70E740481C1C}">
-                <a14:useLocalDpi xmlns:a14="http://schemas.microsoft.com/office/drawing/2010/main" xmlns="" val="0"/>
+                <a14:useLocalDpi xmlns="" xmlns:a14="http://schemas.microsoft.com/office/drawing/2010/main" val="0"/>
               </a:ext>
             </a:extLst>
           </a:blip>
@@ -3920,7 +3928,7 @@
           <a:blip r:embed="rId5" cstate="print">
             <a:extLst>
               <a:ext uri="{28A0092B-C50C-407E-A947-70E740481C1C}">
-                <a14:useLocalDpi xmlns:a14="http://schemas.microsoft.com/office/drawing/2010/main" xmlns="" val="0"/>
+                <a14:useLocalDpi xmlns="" xmlns:a14="http://schemas.microsoft.com/office/drawing/2010/main" val="0"/>
               </a:ext>
             </a:extLst>
           </a:blip>
@@ -3950,7 +3958,7 @@
           <a:blip r:embed="rId6" cstate="print">
             <a:extLst>
               <a:ext uri="{28A0092B-C50C-407E-A947-70E740481C1C}">
-                <a14:useLocalDpi xmlns:a14="http://schemas.microsoft.com/office/drawing/2010/main" xmlns="" val="0"/>
+                <a14:useLocalDpi xmlns="" xmlns:a14="http://schemas.microsoft.com/office/drawing/2010/main" val="0"/>
               </a:ext>
             </a:extLst>
           </a:blip>
@@ -3980,7 +3988,7 @@
           <a:blip r:embed="rId7" cstate="print">
             <a:extLst>
               <a:ext uri="{28A0092B-C50C-407E-A947-70E740481C1C}">
-                <a14:useLocalDpi xmlns:a14="http://schemas.microsoft.com/office/drawing/2010/main" xmlns="" val="0"/>
+                <a14:useLocalDpi xmlns="" xmlns:a14="http://schemas.microsoft.com/office/drawing/2010/main" val="0"/>
               </a:ext>
             </a:extLst>
           </a:blip>
@@ -4010,7 +4018,7 @@
           <a:blip r:embed="rId8" cstate="print">
             <a:extLst>
               <a:ext uri="{28A0092B-C50C-407E-A947-70E740481C1C}">
-                <a14:useLocalDpi xmlns:a14="http://schemas.microsoft.com/office/drawing/2010/main" xmlns="" val="0"/>
+                <a14:useLocalDpi xmlns="" xmlns:a14="http://schemas.microsoft.com/office/drawing/2010/main" val="0"/>
               </a:ext>
             </a:extLst>
           </a:blip>
@@ -4040,7 +4048,7 @@
           <a:blip r:embed="rId8" cstate="print">
             <a:extLst>
               <a:ext uri="{28A0092B-C50C-407E-A947-70E740481C1C}">
-                <a14:useLocalDpi xmlns:a14="http://schemas.microsoft.com/office/drawing/2010/main" xmlns="" val="0"/>
+                <a14:useLocalDpi xmlns="" xmlns:a14="http://schemas.microsoft.com/office/drawing/2010/main" val="0"/>
               </a:ext>
             </a:extLst>
           </a:blip>
@@ -4070,7 +4078,7 @@
           <a:blip r:embed="rId9" cstate="print">
             <a:extLst>
               <a:ext uri="{28A0092B-C50C-407E-A947-70E740481C1C}">
-                <a14:useLocalDpi xmlns:a14="http://schemas.microsoft.com/office/drawing/2010/main" xmlns="" val="0"/>
+                <a14:useLocalDpi xmlns="" xmlns:a14="http://schemas.microsoft.com/office/drawing/2010/main" val="0"/>
               </a:ext>
             </a:extLst>
           </a:blip>
@@ -4091,7 +4099,7 @@
     </p:spTree>
     <p:extLst>
       <p:ext uri="{BB962C8B-B14F-4D97-AF65-F5344CB8AC3E}">
-        <p14:creationId xmlns:p14="http://schemas.microsoft.com/office/powerpoint/2010/main" xmlns="" val="1551544549"/>
+        <p14:creationId xmlns="" xmlns:p14="http://schemas.microsoft.com/office/powerpoint/2010/main" val="1551544549"/>
       </p:ext>
     </p:extLst>
   </p:cSld>
@@ -4217,7 +4225,7 @@
           <a:blip r:embed="rId2" cstate="print">
             <a:extLst>
               <a:ext uri="{28A0092B-C50C-407E-A947-70E740481C1C}">
-                <a14:useLocalDpi xmlns:a14="http://schemas.microsoft.com/office/drawing/2010/main" xmlns="" val="0"/>
+                <a14:useLocalDpi xmlns="" xmlns:a14="http://schemas.microsoft.com/office/drawing/2010/main" val="0"/>
               </a:ext>
             </a:extLst>
           </a:blip>
@@ -4461,7 +4469,7 @@
           <a:blip r:embed="rId3" cstate="print">
             <a:extLst>
               <a:ext uri="{28A0092B-C50C-407E-A947-70E740481C1C}">
-                <a14:useLocalDpi xmlns:a14="http://schemas.microsoft.com/office/drawing/2010/main" xmlns="" val="0"/>
+                <a14:useLocalDpi xmlns="" xmlns:a14="http://schemas.microsoft.com/office/drawing/2010/main" val="0"/>
               </a:ext>
             </a:extLst>
           </a:blip>
@@ -4482,7 +4490,7 @@
     </p:spTree>
     <p:extLst>
       <p:ext uri="{BB962C8B-B14F-4D97-AF65-F5344CB8AC3E}">
-        <p14:creationId xmlns:p14="http://schemas.microsoft.com/office/powerpoint/2010/main" xmlns="" val="351390545"/>
+        <p14:creationId xmlns="" xmlns:p14="http://schemas.microsoft.com/office/powerpoint/2010/main" val="351390545"/>
       </p:ext>
     </p:extLst>
   </p:cSld>
@@ -4659,7 +4667,7 @@
           <a:blip r:embed="rId2" cstate="print">
             <a:extLst>
               <a:ext uri="{28A0092B-C50C-407E-A947-70E740481C1C}">
-                <a14:useLocalDpi xmlns:a14="http://schemas.microsoft.com/office/drawing/2010/main" xmlns="" val="0"/>
+                <a14:useLocalDpi xmlns="" xmlns:a14="http://schemas.microsoft.com/office/drawing/2010/main" val="0"/>
               </a:ext>
             </a:extLst>
           </a:blip>
@@ -4680,7 +4688,7 @@
     </p:spTree>
     <p:extLst>
       <p:ext uri="{BB962C8B-B14F-4D97-AF65-F5344CB8AC3E}">
-        <p14:creationId xmlns:p14="http://schemas.microsoft.com/office/powerpoint/2010/main" xmlns="" val="1265103174"/>
+        <p14:creationId xmlns="" xmlns:p14="http://schemas.microsoft.com/office/powerpoint/2010/main" val="1265103174"/>
       </p:ext>
     </p:extLst>
   </p:cSld>
@@ -4827,7 +4835,7 @@
           <a:blip r:embed="rId2" cstate="print">
             <a:extLst>
               <a:ext uri="{28A0092B-C50C-407E-A947-70E740481C1C}">
-                <a14:useLocalDpi xmlns:a14="http://schemas.microsoft.com/office/drawing/2010/main" xmlns="" val="0"/>
+                <a14:useLocalDpi xmlns="" xmlns:a14="http://schemas.microsoft.com/office/drawing/2010/main" val="0"/>
               </a:ext>
             </a:extLst>
           </a:blip>
@@ -4848,13 +4856,20 @@
     </p:spTree>
     <p:extLst>
       <p:ext uri="{BB962C8B-B14F-4D97-AF65-F5344CB8AC3E}">
-        <p14:creationId xmlns:p14="http://schemas.microsoft.com/office/powerpoint/2010/main" xmlns="" val="3704945582"/>
+        <p14:creationId xmlns="" xmlns:p14="http://schemas.microsoft.com/office/powerpoint/2010/main" val="3704945582"/>
       </p:ext>
     </p:extLst>
   </p:cSld>
   <p:clrMapOvr>
     <a:masterClrMapping/>
   </p:clrMapOvr>
+  <p:timing>
+    <p:tnLst>
+      <p:par>
+        <p:cTn id="1" dur="indefinite" restart="never" nodeType="tmRoot"/>
+      </p:par>
+    </p:tnLst>
+  </p:timing>
 </p:sld>
 </file>
 
@@ -4938,7 +4953,7 @@
           <a:blip r:embed="rId2" cstate="print">
             <a:extLst>
               <a:ext uri="{28A0092B-C50C-407E-A947-70E740481C1C}">
-                <a14:useLocalDpi xmlns:a14="http://schemas.microsoft.com/office/drawing/2010/main" xmlns="" val="0"/>
+                <a14:useLocalDpi xmlns="" xmlns:a14="http://schemas.microsoft.com/office/drawing/2010/main" val="0"/>
               </a:ext>
             </a:extLst>
           </a:blip>
@@ -4956,13 +4971,20 @@
     </p:spTree>
     <p:extLst>
       <p:ext uri="{BB962C8B-B14F-4D97-AF65-F5344CB8AC3E}">
-        <p14:creationId xmlns:p14="http://schemas.microsoft.com/office/powerpoint/2010/main" xmlns="" val="3231291723"/>
+        <p14:creationId xmlns="" xmlns:p14="http://schemas.microsoft.com/office/powerpoint/2010/main" val="3231291723"/>
       </p:ext>
     </p:extLst>
   </p:cSld>
   <p:clrMapOvr>
     <a:masterClrMapping/>
   </p:clrMapOvr>
+  <p:timing>
+    <p:tnLst>
+      <p:par>
+        <p:cTn id="1" dur="indefinite" restart="never" nodeType="tmRoot"/>
+      </p:par>
+    </p:tnLst>
+  </p:timing>
 </p:sld>
 </file>
 
@@ -5221,7 +5243,7 @@
   <a:extraClrSchemeLst/>
   <a:extLst>
     <a:ext uri="{05A4C25C-085E-4340-85A3-A5531E510DB2}">
-      <thm15:themeFamily xmlns:thm15="http://schemas.microsoft.com/office/thememl/2012/main" xmlns="" name="Office Theme" id="{62F939B6-93AF-4DB8-9C6B-D6C7DFDC589F}" vid="{4A3C46E8-61CC-4603-A589-7422A47A8E4A}"/>
+      <thm15:themeFamily xmlns="" xmlns:thm15="http://schemas.microsoft.com/office/thememl/2012/main" name="Office Theme" id="{62F939B6-93AF-4DB8-9C6B-D6C7DFDC589F}" vid="{4A3C46E8-61CC-4603-A589-7422A47A8E4A}"/>
     </a:ext>
   </a:extLst>
 </a:theme>
